--- a/Team 18 Presentation.pptx
+++ b/Team 18 Presentation.pptx
@@ -203,7 +203,7 @@
           <a:p>
             <a:fld id="{45604511-8A26-451F-800C-2730FC076D1D}" type="datetimeFigureOut">
               <a:rPr lang="en-US" smtClean="0"/>
-              <a:t>12/31/2023</a:t>
+              <a:t>1/2/2024</a:t>
             </a:fld>
             <a:endParaRPr lang="en-US"/>
           </a:p>
@@ -701,7 +701,7 @@
           <a:p>
             <a:fld id="{DE08514F-D503-4E8E-AEA2-F0EB4C6A2B19}" type="datetimeFigureOut">
               <a:rPr lang="en-US" smtClean="0"/>
-              <a:t>12/31/2023</a:t>
+              <a:t>1/2/2024</a:t>
             </a:fld>
             <a:endParaRPr lang="en-US"/>
           </a:p>
@@ -899,7 +899,7 @@
           <a:p>
             <a:fld id="{DE08514F-D503-4E8E-AEA2-F0EB4C6A2B19}" type="datetimeFigureOut">
               <a:rPr lang="en-US" smtClean="0"/>
-              <a:t>12/31/2023</a:t>
+              <a:t>1/2/2024</a:t>
             </a:fld>
             <a:endParaRPr lang="en-US"/>
           </a:p>
@@ -1107,7 +1107,7 @@
           <a:p>
             <a:fld id="{DE08514F-D503-4E8E-AEA2-F0EB4C6A2B19}" type="datetimeFigureOut">
               <a:rPr lang="en-US" smtClean="0"/>
-              <a:t>12/31/2023</a:t>
+              <a:t>1/2/2024</a:t>
             </a:fld>
             <a:endParaRPr lang="en-US"/>
           </a:p>
@@ -1305,7 +1305,7 @@
           <a:p>
             <a:fld id="{DE08514F-D503-4E8E-AEA2-F0EB4C6A2B19}" type="datetimeFigureOut">
               <a:rPr lang="en-US" smtClean="0"/>
-              <a:t>12/31/2023</a:t>
+              <a:t>1/2/2024</a:t>
             </a:fld>
             <a:endParaRPr lang="en-US"/>
           </a:p>
@@ -1580,7 +1580,7 @@
           <a:p>
             <a:fld id="{DE08514F-D503-4E8E-AEA2-F0EB4C6A2B19}" type="datetimeFigureOut">
               <a:rPr lang="en-US" smtClean="0"/>
-              <a:t>12/31/2023</a:t>
+              <a:t>1/2/2024</a:t>
             </a:fld>
             <a:endParaRPr lang="en-US"/>
           </a:p>
@@ -1845,7 +1845,7 @@
           <a:p>
             <a:fld id="{DE08514F-D503-4E8E-AEA2-F0EB4C6A2B19}" type="datetimeFigureOut">
               <a:rPr lang="en-US" smtClean="0"/>
-              <a:t>12/31/2023</a:t>
+              <a:t>1/2/2024</a:t>
             </a:fld>
             <a:endParaRPr lang="en-US"/>
           </a:p>
@@ -2257,7 +2257,7 @@
           <a:p>
             <a:fld id="{DE08514F-D503-4E8E-AEA2-F0EB4C6A2B19}" type="datetimeFigureOut">
               <a:rPr lang="en-US" smtClean="0"/>
-              <a:t>12/31/2023</a:t>
+              <a:t>1/2/2024</a:t>
             </a:fld>
             <a:endParaRPr lang="en-US"/>
           </a:p>
@@ -2398,7 +2398,7 @@
           <a:p>
             <a:fld id="{DE08514F-D503-4E8E-AEA2-F0EB4C6A2B19}" type="datetimeFigureOut">
               <a:rPr lang="en-US" smtClean="0"/>
-              <a:t>12/31/2023</a:t>
+              <a:t>1/2/2024</a:t>
             </a:fld>
             <a:endParaRPr lang="en-US"/>
           </a:p>
@@ -2511,7 +2511,7 @@
           <a:p>
             <a:fld id="{DE08514F-D503-4E8E-AEA2-F0EB4C6A2B19}" type="datetimeFigureOut">
               <a:rPr lang="en-US" smtClean="0"/>
-              <a:t>12/31/2023</a:t>
+              <a:t>1/2/2024</a:t>
             </a:fld>
             <a:endParaRPr lang="en-US"/>
           </a:p>
@@ -2822,7 +2822,7 @@
           <a:p>
             <a:fld id="{DE08514F-D503-4E8E-AEA2-F0EB4C6A2B19}" type="datetimeFigureOut">
               <a:rPr lang="en-US" smtClean="0"/>
-              <a:t>12/31/2023</a:t>
+              <a:t>1/2/2024</a:t>
             </a:fld>
             <a:endParaRPr lang="en-US"/>
           </a:p>
@@ -3110,7 +3110,7 @@
           <a:p>
             <a:fld id="{DE08514F-D503-4E8E-AEA2-F0EB4C6A2B19}" type="datetimeFigureOut">
               <a:rPr lang="en-US" smtClean="0"/>
-              <a:t>12/31/2023</a:t>
+              <a:t>1/2/2024</a:t>
             </a:fld>
             <a:endParaRPr lang="en-US"/>
           </a:p>
@@ -3351,7 +3351,7 @@
           <a:p>
             <a:fld id="{DE08514F-D503-4E8E-AEA2-F0EB4C6A2B19}" type="datetimeFigureOut">
               <a:rPr lang="en-US" smtClean="0"/>
-              <a:t>12/31/2023</a:t>
+              <a:t>1/2/2024</a:t>
             </a:fld>
             <a:endParaRPr lang="en-US"/>
           </a:p>
@@ -5441,7 +5441,7 @@
             <p:ph idx="1"/>
             <p:extLst>
               <p:ext uri="{D42A27DB-BD31-4B8C-83A1-F6EECF244321}">
-                <p14:modId xmlns:p14="http://schemas.microsoft.com/office/powerpoint/2010/main" val="3067852090"/>
+                <p14:modId xmlns:p14="http://schemas.microsoft.com/office/powerpoint/2010/main" val="3646874500"/>
               </p:ext>
             </p:extLst>
           </p:nvPr>
@@ -6403,7 +6403,7 @@
                         <a:rPr lang="en-US" sz="1400" kern="100" dirty="0">
                           <a:effectLst/>
                         </a:rPr>
-                        <a:t>( 100% - 97.063% ) = 2.937%</a:t>
+                        <a:t>( 100% - 97.7% ) = 2.3%</a:t>
                       </a:r>
                       <a:endParaRPr lang="en-US" sz="1100" kern="100" dirty="0">
                         <a:effectLst/>

--- a/Team 18 Presentation.pptx
+++ b/Team 18 Presentation.pptx
@@ -5441,14 +5441,14 @@
             <p:ph idx="1"/>
             <p:extLst>
               <p:ext uri="{D42A27DB-BD31-4B8C-83A1-F6EECF244321}">
-                <p14:modId xmlns:p14="http://schemas.microsoft.com/office/powerpoint/2010/main" val="3646874500"/>
+                <p14:modId xmlns:p14="http://schemas.microsoft.com/office/powerpoint/2010/main" val="3382155994"/>
               </p:ext>
             </p:extLst>
           </p:nvPr>
         </p:nvGraphicFramePr>
         <p:xfrm>
           <a:off x="2118049" y="1810140"/>
-          <a:ext cx="8257592" cy="4471661"/>
+          <a:ext cx="8257592" cy="4699943"/>
         </p:xfrm>
         <a:graphic>
           <a:graphicData uri="http://schemas.openxmlformats.org/drawingml/2006/table">
@@ -6261,7 +6261,7 @@
                           <a:ea typeface="+mn-ea"/>
                           <a:cs typeface="+mn-cs"/>
                         </a:rPr>
-                        <a:t>=3, </a:t>
+                        <a:t>=5, </a:t>
                       </a:r>
                       <a:r>
                         <a:rPr kumimoji="0" lang="en-US" sz="1400" b="0" i="0" u="none" strike="noStrike" kern="100" cap="none" spc="0" normalizeH="0" baseline="0" noProof="0" dirty="0" err="1">
@@ -6295,7 +6295,7 @@
                           <a:ea typeface="+mn-ea"/>
                           <a:cs typeface="+mn-cs"/>
                         </a:rPr>
-                        <a:t>=10, </a:t>
+                        <a:t>=19, </a:t>
                       </a:r>
                       <a:r>
                         <a:rPr kumimoji="0" lang="en-US" sz="1400" b="0" i="0" u="none" strike="noStrike" kern="100" cap="none" spc="0" normalizeH="0" baseline="0" noProof="0" dirty="0" err="1">
@@ -6363,7 +6363,109 @@
                           <a:ea typeface="+mn-ea"/>
                           <a:cs typeface="+mn-cs"/>
                         </a:rPr>
-                        <a:t>=256)</a:t>
+                        <a:t>=32, </a:t>
+                      </a:r>
+                      <a:r>
+                        <a:rPr kumimoji="0" lang="en-US" sz="1400" b="0" i="0" u="none" strike="noStrike" kern="100" cap="none" spc="0" normalizeH="0" baseline="0" noProof="0" dirty="0" err="1">
+                          <a:ln>
+                            <a:noFill/>
+                          </a:ln>
+                          <a:solidFill>
+                            <a:prstClr val="black"/>
+                          </a:solidFill>
+                          <a:effectLst/>
+                          <a:uLnTx/>
+                          <a:uFillTx/>
+                          <a:latin typeface="+mn-lt"/>
+                          <a:ea typeface="+mn-ea"/>
+                          <a:cs typeface="+mn-cs"/>
+                        </a:rPr>
+                        <a:t>dropout_rate</a:t>
+                      </a:r>
+                      <a:r>
+                        <a:rPr kumimoji="0" lang="en-US" sz="1400" b="0" i="0" u="none" strike="noStrike" kern="100" cap="none" spc="0" normalizeH="0" baseline="0" noProof="0" dirty="0">
+                          <a:ln>
+                            <a:noFill/>
+                          </a:ln>
+                          <a:solidFill>
+                            <a:prstClr val="black"/>
+                          </a:solidFill>
+                          <a:effectLst/>
+                          <a:uLnTx/>
+                          <a:uFillTx/>
+                          <a:latin typeface="+mn-lt"/>
+                          <a:ea typeface="+mn-ea"/>
+                          <a:cs typeface="+mn-cs"/>
+                        </a:rPr>
+                        <a:t>=0.2, </a:t>
+                      </a:r>
+                      <a:r>
+                        <a:rPr kumimoji="0" lang="en-US" sz="1400" b="0" i="0" u="none" strike="noStrike" kern="100" cap="none" spc="0" normalizeH="0" baseline="0" noProof="0" dirty="0" err="1">
+                          <a:ln>
+                            <a:noFill/>
+                          </a:ln>
+                          <a:solidFill>
+                            <a:prstClr val="black"/>
+                          </a:solidFill>
+                          <a:effectLst/>
+                          <a:uLnTx/>
+                          <a:uFillTx/>
+                          <a:latin typeface="+mn-lt"/>
+                          <a:ea typeface="+mn-ea"/>
+                          <a:cs typeface="+mn-cs"/>
+                        </a:rPr>
+                        <a:t>lr_step</a:t>
+                      </a:r>
+                      <a:r>
+                        <a:rPr kumimoji="0" lang="en-US" sz="1400" b="0" i="0" u="none" strike="noStrike" kern="100" cap="none" spc="0" normalizeH="0" baseline="0" noProof="0" dirty="0">
+                          <a:ln>
+                            <a:noFill/>
+                          </a:ln>
+                          <a:solidFill>
+                            <a:prstClr val="black"/>
+                          </a:solidFill>
+                          <a:effectLst/>
+                          <a:uLnTx/>
+                          <a:uFillTx/>
+                          <a:latin typeface="+mn-lt"/>
+                          <a:ea typeface="+mn-ea"/>
+                          <a:cs typeface="+mn-cs"/>
+                        </a:rPr>
+                        <a:t>=5, </a:t>
+                      </a:r>
+                      <a:r>
+                        <a:rPr kumimoji="0" lang="en-US" sz="1400" b="0" i="0" u="none" strike="noStrike" kern="100" cap="none" spc="0" normalizeH="0" baseline="0" noProof="0" dirty="0" err="1">
+                          <a:ln>
+                            <a:noFill/>
+                          </a:ln>
+                          <a:solidFill>
+                            <a:prstClr val="black"/>
+                          </a:solidFill>
+                          <a:effectLst/>
+                          <a:uLnTx/>
+                          <a:uFillTx/>
+                          <a:latin typeface="+mn-lt"/>
+                          <a:ea typeface="+mn-ea"/>
+                          <a:cs typeface="+mn-cs"/>
+                        </a:rPr>
+                        <a:t>lr_gamma</a:t>
+                      </a:r>
+                      <a:r>
+                        <a:rPr kumimoji="0" lang="en-US" sz="1400" b="0" i="0" u="none" strike="noStrike" kern="100" cap="none" spc="0" normalizeH="0" baseline="0" noProof="0" dirty="0">
+                          <a:ln>
+                            <a:noFill/>
+                          </a:ln>
+                          <a:solidFill>
+                            <a:prstClr val="black"/>
+                          </a:solidFill>
+                          <a:effectLst/>
+                          <a:uLnTx/>
+                          <a:uFillTx/>
+                          <a:latin typeface="+mn-lt"/>
+                          <a:ea typeface="+mn-ea"/>
+                          <a:cs typeface="+mn-cs"/>
+                        </a:rPr>
+                        <a:t>=0.1)</a:t>
                       </a:r>
                       <a:endParaRPr kumimoji="0" lang="en-US" sz="1100" b="0" i="0" u="none" strike="noStrike" kern="100" cap="none" spc="0" normalizeH="0" baseline="0" noProof="0" dirty="0">
                         <a:ln>
@@ -6403,7 +6505,7 @@
                         <a:rPr lang="en-US" sz="1400" kern="100" dirty="0">
                           <a:effectLst/>
                         </a:rPr>
-                        <a:t>( 100% - 97.7% ) = 2.3%</a:t>
+                        <a:t>( 100% - 97.778% ) = 2.222%</a:t>
                       </a:r>
                       <a:endParaRPr lang="en-US" sz="1100" kern="100" dirty="0">
                         <a:effectLst/>
